--- a/UNDER DEVELOPMENT/OPAR Version 2/JESTER/SYTGT039_Jirah_Airbase.pptx
+++ b/UNDER DEVELOPMENT/OPAR Version 2/JESTER/SYTGT039_Jirah_Airbase.pptx
@@ -111,7 +111,7 @@
   </p:defaultTextStyle>
   <p:extLst>
     <p:ext uri="{EFAFB233-063F-42B5-8137-9DF3F51BA10A}">
-      <p15:sldGuideLst xmlns:p15="http://schemas.microsoft.com/office/powerpoint/2012/main">
+      <p15:sldGuideLst xmlns:p15="http://schemas.microsoft.com/office/powerpoint/2012/main" xmlns="">
         <p15:guide id="1" orient="horz" pos="1620">
           <p15:clr>
             <a:srgbClr val="A4A3A4"/>
@@ -211,7 +211,7 @@
             <a:fld id="{40637A30-8EE1-4060-9976-8832FC89EE34}" type="datetimeFigureOut">
               <a:rPr lang="nb-NO" smtClean="0"/>
               <a:pPr/>
-              <a:t>02.01.2022</a:t>
+              <a:t>09.06.2022</a:t>
             </a:fld>
             <a:endParaRPr lang="nb-NO"/>
           </a:p>
@@ -4678,7 +4678,7 @@
         </p:spPr>
         <p:txBody>
           <a:bodyPr wrap="square">
-            <a:normAutofit fontScale="62500" lnSpcReduction="20000"/>
+            <a:normAutofit/>
           </a:bodyPr>
           <a:lstStyle/>
           <a:p>
@@ -4741,288 +4741,6 @@
             <a:r>
               <a:rPr lang="nb-NO" dirty="0" err="1"/>
               <a:t>storages</a:t>
-            </a:r>
-            <a:r>
-              <a:rPr lang="nb-NO" dirty="0"/>
-              <a:t>. </a:t>
-            </a:r>
-          </a:p>
-          <a:p>
-            <a:r>
-              <a:rPr lang="nb-NO" b="1" u="sng" dirty="0"/>
-              <a:t>EFFECTS:</a:t>
-            </a:r>
-          </a:p>
-          <a:p>
-            <a:r>
-              <a:rPr lang="nb-NO" b="1" dirty="0"/>
-              <a:t>Runway</a:t>
-            </a:r>
-            <a:r>
-              <a:rPr lang="nb-NO" dirty="0"/>
-              <a:t>: Hits </a:t>
-            </a:r>
-            <a:r>
-              <a:rPr lang="nb-NO" dirty="0" err="1"/>
-              <a:t>on</a:t>
-            </a:r>
-            <a:r>
-              <a:rPr lang="nb-NO" dirty="0"/>
-              <a:t> runway and </a:t>
-            </a:r>
-            <a:r>
-              <a:rPr lang="nb-NO" dirty="0" err="1"/>
-              <a:t>taxiway</a:t>
-            </a:r>
-            <a:r>
-              <a:rPr lang="nb-NO" dirty="0"/>
-              <a:t> </a:t>
-            </a:r>
-            <a:r>
-              <a:rPr lang="nb-NO" dirty="0" err="1"/>
-              <a:t>will</a:t>
-            </a:r>
-            <a:r>
-              <a:rPr lang="nb-NO" dirty="0"/>
-              <a:t> </a:t>
-            </a:r>
-            <a:r>
-              <a:rPr lang="nb-NO" dirty="0" err="1"/>
-              <a:t>put</a:t>
-            </a:r>
-            <a:r>
-              <a:rPr lang="nb-NO" dirty="0"/>
-              <a:t> </a:t>
-            </a:r>
-            <a:r>
-              <a:rPr lang="nb-NO" dirty="0" err="1"/>
-              <a:t>the</a:t>
-            </a:r>
-            <a:r>
-              <a:rPr lang="nb-NO" dirty="0"/>
-              <a:t> </a:t>
-            </a:r>
-            <a:r>
-              <a:rPr lang="nb-NO" dirty="0" err="1"/>
-              <a:t>airbase</a:t>
-            </a:r>
-            <a:r>
-              <a:rPr lang="nb-NO" dirty="0"/>
-              <a:t> </a:t>
-            </a:r>
-            <a:r>
-              <a:rPr lang="nb-NO" dirty="0" err="1"/>
-              <a:t>out</a:t>
-            </a:r>
-            <a:r>
-              <a:rPr lang="nb-NO" dirty="0"/>
-              <a:t> </a:t>
-            </a:r>
-            <a:r>
-              <a:rPr lang="nb-NO" dirty="0" err="1"/>
-              <a:t>of</a:t>
-            </a:r>
-            <a:r>
-              <a:rPr lang="nb-NO" dirty="0"/>
-              <a:t> action for 48 </a:t>
-            </a:r>
-            <a:r>
-              <a:rPr lang="nb-NO" dirty="0" err="1"/>
-              <a:t>hours</a:t>
-            </a:r>
-            <a:endParaRPr lang="nb-NO" dirty="0"/>
-          </a:p>
-          <a:p>
-            <a:r>
-              <a:rPr lang="nb-NO" b="1" dirty="0" err="1"/>
-              <a:t>Ammo</a:t>
-            </a:r>
-            <a:r>
-              <a:rPr lang="nb-NO" b="1" dirty="0"/>
-              <a:t> </a:t>
-            </a:r>
-            <a:r>
-              <a:rPr lang="nb-NO" b="1" dirty="0" err="1"/>
-              <a:t>storage</a:t>
-            </a:r>
-            <a:r>
-              <a:rPr lang="nb-NO" dirty="0"/>
-              <a:t>: Hits </a:t>
-            </a:r>
-            <a:r>
-              <a:rPr lang="nb-NO" dirty="0" err="1"/>
-              <a:t>on</a:t>
-            </a:r>
-            <a:r>
-              <a:rPr lang="nb-NO" dirty="0"/>
-              <a:t> </a:t>
-            </a:r>
-            <a:r>
-              <a:rPr lang="nb-NO" dirty="0" err="1"/>
-              <a:t>both</a:t>
-            </a:r>
-            <a:r>
-              <a:rPr lang="nb-NO" dirty="0"/>
-              <a:t> </a:t>
-            </a:r>
-            <a:r>
-              <a:rPr lang="nb-NO" dirty="0" err="1"/>
-              <a:t>storages</a:t>
-            </a:r>
-            <a:r>
-              <a:rPr lang="nb-NO" dirty="0"/>
-              <a:t> </a:t>
-            </a:r>
-            <a:r>
-              <a:rPr lang="nb-NO" dirty="0" err="1"/>
-              <a:t>will</a:t>
-            </a:r>
-            <a:r>
-              <a:rPr lang="nb-NO" dirty="0"/>
-              <a:t> </a:t>
-            </a:r>
-            <a:r>
-              <a:rPr lang="nb-NO" dirty="0" err="1"/>
-              <a:t>put</a:t>
-            </a:r>
-            <a:r>
-              <a:rPr lang="nb-NO" dirty="0"/>
-              <a:t> </a:t>
-            </a:r>
-            <a:r>
-              <a:rPr lang="nb-NO" dirty="0" err="1"/>
-              <a:t>the</a:t>
-            </a:r>
-            <a:r>
-              <a:rPr lang="nb-NO" dirty="0"/>
-              <a:t> </a:t>
-            </a:r>
-            <a:r>
-              <a:rPr lang="nb-NO" dirty="0" err="1"/>
-              <a:t>airbase</a:t>
-            </a:r>
-            <a:r>
-              <a:rPr lang="nb-NO" dirty="0"/>
-              <a:t> </a:t>
-            </a:r>
-            <a:r>
-              <a:rPr lang="nb-NO" dirty="0" err="1"/>
-              <a:t>out</a:t>
-            </a:r>
-            <a:r>
-              <a:rPr lang="nb-NO" dirty="0"/>
-              <a:t> </a:t>
-            </a:r>
-            <a:r>
-              <a:rPr lang="nb-NO" dirty="0" err="1"/>
-              <a:t>of</a:t>
-            </a:r>
-            <a:r>
-              <a:rPr lang="nb-NO" dirty="0"/>
-              <a:t> action for 96 </a:t>
-            </a:r>
-            <a:r>
-              <a:rPr lang="nb-NO" dirty="0" err="1"/>
-              <a:t>hours</a:t>
-            </a:r>
-            <a:endParaRPr lang="nb-NO" dirty="0"/>
-          </a:p>
-          <a:p>
-            <a:r>
-              <a:rPr lang="nb-NO" b="1" dirty="0" err="1"/>
-              <a:t>Fuel</a:t>
-            </a:r>
-            <a:r>
-              <a:rPr lang="nb-NO" b="1" dirty="0"/>
-              <a:t> </a:t>
-            </a:r>
-            <a:r>
-              <a:rPr lang="nb-NO" b="1" dirty="0" err="1"/>
-              <a:t>storage</a:t>
-            </a:r>
-            <a:r>
-              <a:rPr lang="nb-NO" b="1" dirty="0"/>
-              <a:t>: </a:t>
-            </a:r>
-            <a:r>
-              <a:rPr lang="nb-NO" dirty="0"/>
-              <a:t>Hits </a:t>
-            </a:r>
-            <a:r>
-              <a:rPr lang="nb-NO" dirty="0" err="1"/>
-              <a:t>on</a:t>
-            </a:r>
-            <a:r>
-              <a:rPr lang="nb-NO" dirty="0"/>
-              <a:t> </a:t>
-            </a:r>
-            <a:r>
-              <a:rPr lang="nb-NO" dirty="0" err="1"/>
-              <a:t>fuel</a:t>
-            </a:r>
-            <a:r>
-              <a:rPr lang="nb-NO" dirty="0"/>
-              <a:t> </a:t>
-            </a:r>
-            <a:r>
-              <a:rPr lang="nb-NO" dirty="0" err="1"/>
-              <a:t>storage</a:t>
-            </a:r>
-            <a:r>
-              <a:rPr lang="nb-NO" dirty="0"/>
-              <a:t> </a:t>
-            </a:r>
-            <a:r>
-              <a:rPr lang="nb-NO" dirty="0" err="1"/>
-              <a:t>will</a:t>
-            </a:r>
-            <a:r>
-              <a:rPr lang="nb-NO" dirty="0"/>
-              <a:t> </a:t>
-            </a:r>
-            <a:r>
-              <a:rPr lang="nb-NO" dirty="0" err="1"/>
-              <a:t>put</a:t>
-            </a:r>
-            <a:r>
-              <a:rPr lang="nb-NO" dirty="0"/>
-              <a:t> </a:t>
-            </a:r>
-            <a:r>
-              <a:rPr lang="nb-NO" dirty="0" err="1"/>
-              <a:t>the</a:t>
-            </a:r>
-            <a:r>
-              <a:rPr lang="nb-NO" dirty="0"/>
-              <a:t> </a:t>
-            </a:r>
-            <a:r>
-              <a:rPr lang="nb-NO" dirty="0" err="1"/>
-              <a:t>airbase</a:t>
-            </a:r>
-            <a:r>
-              <a:rPr lang="nb-NO" dirty="0"/>
-              <a:t> </a:t>
-            </a:r>
-            <a:r>
-              <a:rPr lang="nb-NO" dirty="0" err="1"/>
-              <a:t>out</a:t>
-            </a:r>
-            <a:r>
-              <a:rPr lang="nb-NO" dirty="0"/>
-              <a:t> </a:t>
-            </a:r>
-            <a:r>
-              <a:rPr lang="nb-NO" dirty="0" err="1"/>
-              <a:t>of</a:t>
-            </a:r>
-            <a:r>
-              <a:rPr lang="nb-NO" dirty="0"/>
-              <a:t> action for 7 </a:t>
-            </a:r>
-            <a:r>
-              <a:rPr lang="nb-NO" dirty="0" err="1"/>
-              <a:t>days</a:t>
             </a:r>
             <a:r>
               <a:rPr lang="nb-NO" dirty="0"/>
